--- a/디바이스최적화(2021-11-10)_김성훈.pptx
+++ b/디바이스최적화(2021-11-10)_김성훈.pptx
@@ -5,7 +5,7 @@
     <p:sldMasterId id="2147483648" r:id="rId1"/>
   </p:sldMasterIdLst>
   <p:handoutMasterIdLst>
-    <p:handoutMasterId r:id="rId20"/>
+    <p:handoutMasterId r:id="rId26"/>
   </p:handoutMasterIdLst>
   <p:sldIdLst>
     <p:sldId id="256" r:id="rId2"/>
@@ -24,8 +24,14 @@
     <p:sldId id="278" r:id="rId15"/>
     <p:sldId id="275" r:id="rId16"/>
     <p:sldId id="279" r:id="rId17"/>
-    <p:sldId id="276" r:id="rId18"/>
-    <p:sldId id="277" r:id="rId19"/>
+    <p:sldId id="280" r:id="rId18"/>
+    <p:sldId id="281" r:id="rId19"/>
+    <p:sldId id="282" r:id="rId20"/>
+    <p:sldId id="276" r:id="rId21"/>
+    <p:sldId id="277" r:id="rId22"/>
+    <p:sldId id="283" r:id="rId23"/>
+    <p:sldId id="284" r:id="rId24"/>
+    <p:sldId id="285" r:id="rId25"/>
   </p:sldIdLst>
   <p:sldSz cx="12192000" cy="6858000"/>
   <p:notesSz cx="6858000" cy="9144000"/>
@@ -124,6 +130,14 @@
       </a:defRPr>
     </a:lvl9pPr>
   </p:defaultTextStyle>
+  <p:extLst>
+    <p:ext uri="{EFAFB233-063F-42B5-8137-9DF3F51BA10A}">
+      <p15:sldGuideLst xmlns:p15="http://schemas.microsoft.com/office/powerpoint/2012/main"/>
+    </p:ext>
+    <p:ext uri="{2D200454-40CA-4A62-9FC3-DE9A4176ACB9}">
+      <p15:notesGuideLst xmlns:p15="http://schemas.microsoft.com/office/powerpoint/2012/main"/>
+    </p:ext>
+  </p:extLst>
 </p:presentation>
 </file>
 
@@ -2834,7 +2848,7 @@
           <a:p>
             <a:fld id="{9E8F18EF-CE3C-438B-9A29-BD1BE81EAE36}" type="datetimeFigureOut">
               <a:rPr lang="ko-KR" altLang="en-US" smtClean="0"/>
-              <a:t>2021-11-07</a:t>
+              <a:t>2021-11-08</a:t>
             </a:fld>
             <a:endParaRPr lang="ko-KR" altLang="en-US"/>
           </a:p>
@@ -3068,7 +3082,7 @@
           <a:p>
             <a:fld id="{48A87A34-81AB-432B-8DAE-1953F412C126}" type="datetimeFigureOut">
               <a:rPr lang="en-US" dirty="0"/>
-              <a:t>11/7/2021</a:t>
+              <a:t>11/8/2021</a:t>
             </a:fld>
             <a:endParaRPr lang="en-US" dirty="0"/>
           </a:p>
@@ -3274,7 +3288,7 @@
           <a:p>
             <a:fld id="{48A87A34-81AB-432B-8DAE-1953F412C126}" type="datetimeFigureOut">
               <a:rPr lang="en-US" dirty="0"/>
-              <a:t>11/7/2021</a:t>
+              <a:t>11/8/2021</a:t>
             </a:fld>
             <a:endParaRPr lang="en-US" dirty="0"/>
           </a:p>
@@ -3484,7 +3498,7 @@
           <a:p>
             <a:fld id="{48A87A34-81AB-432B-8DAE-1953F412C126}" type="datetimeFigureOut">
               <a:rPr lang="en-US" dirty="0"/>
-              <a:t>11/7/2021</a:t>
+              <a:t>11/8/2021</a:t>
             </a:fld>
             <a:endParaRPr lang="en-US" dirty="0"/>
           </a:p>
@@ -3680,7 +3694,7 @@
           <a:p>
             <a:fld id="{48A87A34-81AB-432B-8DAE-1953F412C126}" type="datetimeFigureOut">
               <a:rPr lang="en-US" dirty="0"/>
-              <a:t>11/7/2021</a:t>
+              <a:t>11/8/2021</a:t>
             </a:fld>
             <a:endParaRPr lang="en-US" dirty="0"/>
           </a:p>
@@ -3954,7 +3968,7 @@
           <a:p>
             <a:fld id="{48A87A34-81AB-432B-8DAE-1953F412C126}" type="datetimeFigureOut">
               <a:rPr lang="en-US" dirty="0"/>
-              <a:t>11/7/2021</a:t>
+              <a:t>11/8/2021</a:t>
             </a:fld>
             <a:endParaRPr lang="en-US" dirty="0"/>
           </a:p>
@@ -4217,7 +4231,7 @@
           <a:p>
             <a:fld id="{48A87A34-81AB-432B-8DAE-1953F412C126}" type="datetimeFigureOut">
               <a:rPr lang="en-US" dirty="0"/>
-              <a:t>11/7/2021</a:t>
+              <a:t>11/8/2021</a:t>
             </a:fld>
             <a:endParaRPr lang="en-US" dirty="0"/>
           </a:p>
@@ -4630,7 +4644,7 @@
           <a:p>
             <a:fld id="{48A87A34-81AB-432B-8DAE-1953F412C126}" type="datetimeFigureOut">
               <a:rPr lang="en-US" dirty="0"/>
-              <a:t>11/7/2021</a:t>
+              <a:t>11/8/2021</a:t>
             </a:fld>
             <a:endParaRPr lang="en-US" dirty="0"/>
           </a:p>
@@ -4776,7 +4790,7 @@
           <a:p>
             <a:fld id="{48A87A34-81AB-432B-8DAE-1953F412C126}" type="datetimeFigureOut">
               <a:rPr lang="en-US" dirty="0"/>
-              <a:t>11/7/2021</a:t>
+              <a:t>11/8/2021</a:t>
             </a:fld>
             <a:endParaRPr lang="en-US" dirty="0"/>
           </a:p>
@@ -4897,7 +4911,7 @@
           <a:p>
             <a:fld id="{48A87A34-81AB-432B-8DAE-1953F412C126}" type="datetimeFigureOut">
               <a:rPr lang="en-US" dirty="0"/>
-              <a:t>11/7/2021</a:t>
+              <a:t>11/8/2021</a:t>
             </a:fld>
             <a:endParaRPr lang="en-US" dirty="0"/>
           </a:p>
@@ -5143,7 +5157,7 @@
           <a:p>
             <a:fld id="{48A87A34-81AB-432B-8DAE-1953F412C126}" type="datetimeFigureOut">
               <a:rPr lang="en-US" dirty="0"/>
-              <a:t>11/7/2021</a:t>
+              <a:t>11/8/2021</a:t>
             </a:fld>
             <a:endParaRPr lang="en-US" dirty="0"/>
           </a:p>
@@ -5584,7 +5598,7 @@
             <a:fld id="{48A87A34-81AB-432B-8DAE-1953F412C126}" type="datetimeFigureOut">
               <a:rPr lang="en-US" dirty="0"/>
               <a:pPr/>
-              <a:t>11/7/2021</a:t>
+              <a:t>11/8/2021</a:t>
             </a:fld>
             <a:endParaRPr lang="en-US" dirty="0"/>
           </a:p>
@@ -5907,7 +5921,7 @@
             <a:fld id="{48A87A34-81AB-432B-8DAE-1953F412C126}" type="datetimeFigureOut">
               <a:rPr lang="en-US" dirty="0"/>
               <a:pPr/>
-              <a:t>11/7/2021</a:t>
+              <a:t>11/8/2021</a:t>
             </a:fld>
             <a:endParaRPr lang="en-US" dirty="0"/>
           </a:p>
@@ -7599,6 +7613,10 @@
           <a:bodyPr/>
           <a:lstStyle/>
           <a:p>
+            <a:r>
+              <a:rPr lang="en-US" altLang="ko-KR" cap="none" dirty="0" err="1"/>
+              <a:t>ReadBookRepository.kt</a:t>
+            </a:r>
             <a:endParaRPr lang="ko-KR" altLang="en-US" cap="none" dirty="0"/>
           </a:p>
         </p:txBody>
@@ -7624,16 +7642,114 @@
           <a:bodyPr/>
           <a:lstStyle/>
           <a:p>
-            <a:endParaRPr lang="ko-KR" altLang="en-US" dirty="0"/>
-          </a:p>
-        </p:txBody>
-      </p:sp>
-      <p:sp>
-        <p:nvSpPr>
-          <p:cNvPr id="17" name="내용 개체 틀 16">
+            <a:r>
+              <a:rPr lang="ko-KR" altLang="en-US" dirty="0"/>
+              <a:t>현재 </a:t>
+            </a:r>
+            <a:r>
+              <a:rPr lang="en-US" altLang="ko-KR" dirty="0" err="1"/>
+              <a:t>ReadbookRepository</a:t>
+            </a:r>
+            <a:r>
+              <a:rPr lang="en-US" altLang="ko-KR" dirty="0"/>
+              <a:t> </a:t>
+            </a:r>
+            <a:r>
+              <a:rPr lang="ko-KR" altLang="en-US" dirty="0"/>
+              <a:t>와 </a:t>
+            </a:r>
+            <a:r>
+              <a:rPr lang="en-US" altLang="ko-KR" dirty="0" err="1"/>
+              <a:t>BookRepository</a:t>
+            </a:r>
+            <a:r>
+              <a:rPr lang="en-US" altLang="ko-KR" dirty="0"/>
+              <a:t> </a:t>
+            </a:r>
+            <a:r>
+              <a:rPr lang="ko-KR" altLang="en-US" dirty="0"/>
+              <a:t>를 </a:t>
+            </a:r>
+            <a:r>
+              <a:rPr lang="en-US" altLang="ko-KR" dirty="0"/>
+              <a:t>bean </a:t>
+            </a:r>
+            <a:r>
+              <a:rPr lang="ko-KR" altLang="en-US" dirty="0"/>
+              <a:t>으로 등록</a:t>
+            </a:r>
+            <a:endParaRPr lang="en-US" altLang="ko-KR" dirty="0"/>
+          </a:p>
+          <a:p>
+            <a:r>
+              <a:rPr lang="en-US" altLang="ko-KR" dirty="0"/>
+              <a:t>JPA</a:t>
+            </a:r>
+            <a:r>
+              <a:rPr lang="ko-KR" altLang="en-US" dirty="0"/>
+              <a:t>는 기본 </a:t>
+            </a:r>
+            <a:r>
+              <a:rPr lang="en-US" altLang="ko-KR" dirty="0"/>
+              <a:t>CRUD</a:t>
+            </a:r>
+            <a:r>
+              <a:rPr lang="ko-KR" altLang="en-US" dirty="0"/>
+              <a:t>는 아무런 </a:t>
+            </a:r>
+            <a:r>
+              <a:rPr lang="en-US" altLang="ko-KR" dirty="0"/>
+              <a:t>SQL</a:t>
+            </a:r>
+            <a:r>
+              <a:rPr lang="ko-KR" altLang="en-US" dirty="0"/>
+              <a:t>의 도움없이 구현할 수 있게 해준다</a:t>
+            </a:r>
+            <a:endParaRPr lang="en-US" altLang="ko-KR" dirty="0"/>
+          </a:p>
+          <a:p>
+            <a:r>
+              <a:rPr lang="en-US" altLang="ko-KR" dirty="0" err="1"/>
+              <a:t>JpaRepository</a:t>
+            </a:r>
+            <a:r>
+              <a:rPr lang="ko-KR" altLang="en-US" dirty="0"/>
+              <a:t>를 상속받은 </a:t>
+            </a:r>
+            <a:r>
+              <a:rPr lang="en-US" altLang="ko-KR" dirty="0"/>
+              <a:t>Repository </a:t>
+            </a:r>
+            <a:r>
+              <a:rPr lang="ko-KR" altLang="en-US" dirty="0"/>
+              <a:t>에서 기본 </a:t>
+            </a:r>
+            <a:r>
+              <a:rPr lang="en-US" altLang="ko-KR" dirty="0"/>
+              <a:t>CRUD </a:t>
+            </a:r>
+            <a:r>
+              <a:rPr lang="ko-KR" altLang="en-US" dirty="0"/>
+              <a:t>외에 다른 </a:t>
+            </a:r>
+            <a:r>
+              <a:rPr lang="en-US" altLang="ko-KR" dirty="0"/>
+              <a:t>method</a:t>
+            </a:r>
+            <a:r>
+              <a:rPr lang="ko-KR" altLang="en-US" dirty="0"/>
+              <a:t>도 추가할 수 있다</a:t>
+            </a:r>
+            <a:endParaRPr lang="en-US" altLang="ko-KR" dirty="0"/>
+          </a:p>
+        </p:txBody>
+      </p:sp>
+      <p:sp>
+        <p:nvSpPr>
+          <p:cNvPr id="3" name="내용 개체 틀 2">
             <a:extLst>
               <a:ext uri="{FF2B5EF4-FFF2-40B4-BE49-F238E27FC236}">
-                <a16:creationId xmlns:a16="http://schemas.microsoft.com/office/drawing/2014/main" id="{37DEA362-C915-4858-99D9-D6A2BB28D9B4}"/>
+                <a16:creationId xmlns:a16="http://schemas.microsoft.com/office/drawing/2014/main" id="{78F792DD-651C-4EA0-A244-9C146E1F738D}"/>
               </a:ext>
             </a:extLst>
           </p:cNvPr>
@@ -7644,24 +7760,49 @@
             <p:ph sz="half" idx="2"/>
           </p:nvPr>
         </p:nvSpPr>
+        <p:spPr/>
+        <p:txBody>
+          <a:bodyPr/>
+          <a:lstStyle/>
+          <a:p>
+            <a:endParaRPr lang="ko-KR" altLang="en-US"/>
+          </a:p>
+        </p:txBody>
+      </p:sp>
+      <p:pic>
+        <p:nvPicPr>
+          <p:cNvPr id="10" name="그림 9">
+            <a:extLst>
+              <a:ext uri="{FF2B5EF4-FFF2-40B4-BE49-F238E27FC236}">
+                <a16:creationId xmlns:a16="http://schemas.microsoft.com/office/drawing/2014/main" id="{E223454B-DD3A-4D42-95D3-3D389756711D}"/>
+              </a:ext>
+            </a:extLst>
+          </p:cNvPr>
+          <p:cNvPicPr>
+            <a:picLocks noChangeAspect="1"/>
+          </p:cNvPicPr>
+          <p:nvPr/>
+        </p:nvPicPr>
+        <p:blipFill>
+          <a:blip r:embed="rId2"/>
+          <a:stretch>
+            <a:fillRect/>
+          </a:stretch>
+        </p:blipFill>
         <p:spPr>
           <a:xfrm>
             <a:off x="6413771" y="804889"/>
             <a:ext cx="4645152" cy="4653974"/>
           </a:xfrm>
+          <a:prstGeom prst="rect">
+            <a:avLst/>
+          </a:prstGeom>
         </p:spPr>
-        <p:txBody>
-          <a:bodyPr/>
-          <a:lstStyle/>
-          <a:p>
-            <a:endParaRPr lang="ko-KR" altLang="en-US" dirty="0"/>
-          </a:p>
-        </p:txBody>
-      </p:sp>
+      </p:pic>
     </p:spTree>
     <p:extLst>
       <p:ext uri="{BB962C8B-B14F-4D97-AF65-F5344CB8AC3E}">
-        <p14:creationId xmlns:p14="http://schemas.microsoft.com/office/powerpoint/2010/main" val="2600352321"/>
+        <p14:creationId xmlns:p14="http://schemas.microsoft.com/office/powerpoint/2010/main" val="3184733783"/>
       </p:ext>
     </p:extLst>
   </p:cSld>
@@ -7714,6 +7855,10 @@
           <a:bodyPr/>
           <a:lstStyle/>
           <a:p>
+            <a:r>
+              <a:rPr lang="en-US" altLang="ko-KR" cap="none" dirty="0"/>
+              <a:t>ReadBookServiceImplV1</a:t>
+            </a:r>
             <a:endParaRPr lang="ko-KR" altLang="en-US" cap="none" dirty="0"/>
           </a:p>
         </p:txBody>
@@ -7739,16 +7884,32 @@
           <a:bodyPr/>
           <a:lstStyle/>
           <a:p>
-            <a:endParaRPr lang="ko-KR" altLang="en-US" dirty="0"/>
-          </a:p>
-        </p:txBody>
-      </p:sp>
-      <p:sp>
-        <p:nvSpPr>
-          <p:cNvPr id="17" name="내용 개체 틀 16">
+            <a:r>
+              <a:rPr lang="en-US" altLang="ko-KR" dirty="0" err="1"/>
+              <a:t>ReadBookRepository</a:t>
+            </a:r>
+            <a:r>
+              <a:rPr lang="ko-KR" altLang="en-US" dirty="0"/>
+              <a:t>와 </a:t>
+            </a:r>
+            <a:r>
+              <a:rPr lang="en-US" altLang="ko-KR" dirty="0" err="1"/>
+              <a:t>BookRepository</a:t>
+            </a:r>
+            <a:r>
+              <a:rPr lang="ko-KR" altLang="en-US" dirty="0"/>
+              <a:t>를 상속받아 입력과 조회를 구현</a:t>
+            </a:r>
+            <a:endParaRPr lang="en-US" altLang="ko-KR" dirty="0"/>
+          </a:p>
+        </p:txBody>
+      </p:sp>
+      <p:sp>
+        <p:nvSpPr>
+          <p:cNvPr id="3" name="내용 개체 틀 2">
             <a:extLst>
               <a:ext uri="{FF2B5EF4-FFF2-40B4-BE49-F238E27FC236}">
-                <a16:creationId xmlns:a16="http://schemas.microsoft.com/office/drawing/2014/main" id="{37DEA362-C915-4858-99D9-D6A2BB28D9B4}"/>
+                <a16:creationId xmlns:a16="http://schemas.microsoft.com/office/drawing/2014/main" id="{78F792DD-651C-4EA0-A244-9C146E1F738D}"/>
               </a:ext>
             </a:extLst>
           </p:cNvPr>
@@ -7759,24 +7920,289 @@
             <p:ph sz="half" idx="2"/>
           </p:nvPr>
         </p:nvSpPr>
+        <p:spPr/>
+        <p:txBody>
+          <a:bodyPr/>
+          <a:lstStyle/>
+          <a:p>
+            <a:endParaRPr lang="ko-KR" altLang="en-US" dirty="0"/>
+          </a:p>
+        </p:txBody>
+      </p:sp>
+      <p:pic>
+        <p:nvPicPr>
+          <p:cNvPr id="6" name="그림 5">
+            <a:extLst>
+              <a:ext uri="{FF2B5EF4-FFF2-40B4-BE49-F238E27FC236}">
+                <a16:creationId xmlns:a16="http://schemas.microsoft.com/office/drawing/2014/main" id="{1777736B-65C4-41D4-B167-EE22071B0A2B}"/>
+              </a:ext>
+            </a:extLst>
+          </p:cNvPr>
+          <p:cNvPicPr>
+            <a:picLocks noChangeAspect="1"/>
+          </p:cNvPicPr>
+          <p:nvPr/>
+        </p:nvPicPr>
+        <p:blipFill>
+          <a:blip r:embed="rId2"/>
+          <a:stretch>
+            <a:fillRect/>
+          </a:stretch>
+        </p:blipFill>
         <p:spPr>
           <a:xfrm>
             <a:off x="6413771" y="804889"/>
             <a:ext cx="4645152" cy="4653974"/>
           </a:xfrm>
+          <a:prstGeom prst="rect">
+            <a:avLst/>
+          </a:prstGeom>
         </p:spPr>
-        <p:txBody>
-          <a:bodyPr/>
-          <a:lstStyle/>
-          <a:p>
-            <a:endParaRPr lang="ko-KR" altLang="en-US" dirty="0"/>
-          </a:p>
-        </p:txBody>
-      </p:sp>
+      </p:pic>
     </p:spTree>
     <p:extLst>
       <p:ext uri="{BB962C8B-B14F-4D97-AF65-F5344CB8AC3E}">
-        <p14:creationId xmlns:p14="http://schemas.microsoft.com/office/powerpoint/2010/main" val="3596935366"/>
+        <p14:creationId xmlns:p14="http://schemas.microsoft.com/office/powerpoint/2010/main" val="582608496"/>
+      </p:ext>
+    </p:extLst>
+  </p:cSld>
+  <p:clrMapOvr>
+    <a:masterClrMapping/>
+  </p:clrMapOvr>
+</p:sld>
+</file>
+
+<file path=ppt/slides/slide19.xml><?xml version="1.0" encoding="utf-8"?>
+<p:sld xmlns:a="http://schemas.openxmlformats.org/drawingml/2006/main" xmlns:r="http://schemas.openxmlformats.org/officeDocument/2006/relationships" xmlns:p="http://schemas.openxmlformats.org/presentationml/2006/main">
+  <p:cSld>
+    <p:spTree>
+      <p:nvGrpSpPr>
+        <p:cNvPr id="1" name=""/>
+        <p:cNvGrpSpPr/>
+        <p:nvPr/>
+      </p:nvGrpSpPr>
+      <p:grpSpPr>
+        <a:xfrm>
+          <a:off x="0" y="0"/>
+          <a:ext cx="0" cy="0"/>
+          <a:chOff x="0" y="0"/>
+          <a:chExt cx="0" cy="0"/>
+        </a:xfrm>
+      </p:grpSpPr>
+      <p:sp>
+        <p:nvSpPr>
+          <p:cNvPr id="7" name="제목 6">
+            <a:extLst>
+              <a:ext uri="{FF2B5EF4-FFF2-40B4-BE49-F238E27FC236}">
+                <a16:creationId xmlns:a16="http://schemas.microsoft.com/office/drawing/2014/main" id="{DC20BA9A-2276-49D8-B3F5-D650BEC2AD8D}"/>
+              </a:ext>
+            </a:extLst>
+          </p:cNvPr>
+          <p:cNvSpPr>
+            <a:spLocks noGrp="1"/>
+          </p:cNvSpPr>
+          <p:nvPr>
+            <p:ph type="title"/>
+          </p:nvPr>
+        </p:nvSpPr>
+        <p:spPr>
+          <a:xfrm>
+            <a:off x="1449218" y="804889"/>
+            <a:ext cx="4643266" cy="1059305"/>
+          </a:xfrm>
+        </p:spPr>
+        <p:txBody>
+          <a:bodyPr/>
+          <a:lstStyle/>
+          <a:p>
+            <a:r>
+              <a:rPr lang="en-US" altLang="ko-KR" cap="none" dirty="0" err="1"/>
+              <a:t>MemberLoginService</a:t>
+            </a:r>
+            <a:endParaRPr lang="ko-KR" altLang="en-US" cap="none" dirty="0"/>
+          </a:p>
+        </p:txBody>
+      </p:sp>
+      <p:sp>
+        <p:nvSpPr>
+          <p:cNvPr id="8" name="내용 개체 틀 7">
+            <a:extLst>
+              <a:ext uri="{FF2B5EF4-FFF2-40B4-BE49-F238E27FC236}">
+                <a16:creationId xmlns:a16="http://schemas.microsoft.com/office/drawing/2014/main" id="{52DD1BFA-455F-4EE5-9363-0CFADAB37EE3}"/>
+              </a:ext>
+            </a:extLst>
+          </p:cNvPr>
+          <p:cNvSpPr>
+            <a:spLocks noGrp="1"/>
+          </p:cNvSpPr>
+          <p:nvPr>
+            <p:ph sz="half" idx="1"/>
+          </p:nvPr>
+        </p:nvSpPr>
+        <p:spPr/>
+        <p:txBody>
+          <a:bodyPr/>
+          <a:lstStyle/>
+          <a:p>
+            <a:r>
+              <a:rPr lang="en-US" altLang="ko-KR" dirty="0"/>
+              <a:t>Security </a:t>
+            </a:r>
+            <a:r>
+              <a:rPr lang="ko-KR" altLang="en-US" dirty="0"/>
+              <a:t>를 사용한 </a:t>
+            </a:r>
+            <a:r>
+              <a:rPr lang="en-US" altLang="ko-KR" dirty="0"/>
+              <a:t>login Service </a:t>
+            </a:r>
+            <a:r>
+              <a:rPr lang="ko-KR" altLang="en-US" dirty="0"/>
+              <a:t>클래스</a:t>
+            </a:r>
+            <a:endParaRPr lang="en-US" altLang="ko-KR" dirty="0"/>
+          </a:p>
+          <a:p>
+            <a:r>
+              <a:rPr lang="en-US" altLang="ko-KR" dirty="0" err="1"/>
+              <a:t>UserDetailService</a:t>
+            </a:r>
+            <a:r>
+              <a:rPr lang="en-US" altLang="ko-KR" dirty="0"/>
+              <a:t> </a:t>
+            </a:r>
+            <a:r>
+              <a:rPr lang="ko-KR" altLang="en-US" dirty="0"/>
+              <a:t>를 상속받는다</a:t>
+            </a:r>
+            <a:endParaRPr lang="en-US" altLang="ko-KR" dirty="0"/>
+          </a:p>
+          <a:p>
+            <a:r>
+              <a:rPr lang="ko-KR" altLang="en-US" dirty="0"/>
+              <a:t>가상의 </a:t>
+            </a:r>
+            <a:r>
+              <a:rPr lang="en-US" altLang="ko-KR" dirty="0"/>
+              <a:t>member list </a:t>
+            </a:r>
+            <a:r>
+              <a:rPr lang="ko-KR" altLang="en-US" dirty="0"/>
+              <a:t>를 생성해서</a:t>
+            </a:r>
+            <a:endParaRPr lang="en-US" altLang="ko-KR" dirty="0"/>
+          </a:p>
+          <a:p>
+            <a:r>
+              <a:rPr lang="ko-KR" altLang="en-US" dirty="0"/>
+              <a:t>리스트</a:t>
+            </a:r>
+            <a:r>
+              <a:rPr lang="en-US" altLang="ko-KR" dirty="0"/>
+              <a:t>.find{} </a:t>
+            </a:r>
+            <a:r>
+              <a:rPr lang="ko-KR" altLang="en-US" dirty="0"/>
+              <a:t>를 사용하여 </a:t>
+            </a:r>
+            <a:r>
+              <a:rPr lang="ko-KR" altLang="en-US" dirty="0" err="1"/>
+              <a:t>리스트중</a:t>
+            </a:r>
+            <a:r>
+              <a:rPr lang="ko-KR" altLang="en-US" dirty="0"/>
+              <a:t> 해당하는 값이 있으면 해당 값을 </a:t>
+            </a:r>
+            <a:r>
+              <a:rPr lang="en-US" altLang="ko-KR" dirty="0"/>
+              <a:t>return </a:t>
+            </a:r>
+            <a:r>
+              <a:rPr lang="ko-KR" altLang="en-US" dirty="0"/>
+              <a:t>하고</a:t>
+            </a:r>
+            <a:r>
+              <a:rPr lang="en-US" altLang="ko-KR" dirty="0"/>
+              <a:t>, </a:t>
+            </a:r>
+            <a:r>
+              <a:rPr lang="ko-KR" altLang="en-US" dirty="0"/>
+              <a:t>없으면 </a:t>
+            </a:r>
+            <a:r>
+              <a:rPr lang="en-US" altLang="ko-KR" dirty="0"/>
+              <a:t>null</a:t>
+            </a:r>
+            <a:r>
+              <a:rPr lang="ko-KR" altLang="en-US" dirty="0"/>
+              <a:t>을 </a:t>
+            </a:r>
+            <a:r>
+              <a:rPr lang="en-US" altLang="ko-KR" dirty="0"/>
+              <a:t>return</a:t>
+            </a:r>
+          </a:p>
+        </p:txBody>
+      </p:sp>
+      <p:sp>
+        <p:nvSpPr>
+          <p:cNvPr id="3" name="내용 개체 틀 2">
+            <a:extLst>
+              <a:ext uri="{FF2B5EF4-FFF2-40B4-BE49-F238E27FC236}">
+                <a16:creationId xmlns:a16="http://schemas.microsoft.com/office/drawing/2014/main" id="{78F792DD-651C-4EA0-A244-9C146E1F738D}"/>
+              </a:ext>
+            </a:extLst>
+          </p:cNvPr>
+          <p:cNvSpPr>
+            <a:spLocks noGrp="1"/>
+          </p:cNvSpPr>
+          <p:nvPr>
+            <p:ph sz="half" idx="2"/>
+          </p:nvPr>
+        </p:nvSpPr>
+        <p:spPr/>
+        <p:txBody>
+          <a:bodyPr/>
+          <a:lstStyle/>
+          <a:p>
+            <a:endParaRPr lang="ko-KR" altLang="en-US" dirty="0"/>
+          </a:p>
+        </p:txBody>
+      </p:sp>
+      <p:pic>
+        <p:nvPicPr>
+          <p:cNvPr id="4" name="그림 3">
+            <a:extLst>
+              <a:ext uri="{FF2B5EF4-FFF2-40B4-BE49-F238E27FC236}">
+                <a16:creationId xmlns:a16="http://schemas.microsoft.com/office/drawing/2014/main" id="{CC1FBE85-8C34-4438-9D34-6E33E77F6C55}"/>
+              </a:ext>
+            </a:extLst>
+          </p:cNvPr>
+          <p:cNvPicPr>
+            <a:picLocks noChangeAspect="1"/>
+          </p:cNvPicPr>
+          <p:nvPr/>
+        </p:nvPicPr>
+        <p:blipFill>
+          <a:blip r:embed="rId2"/>
+          <a:stretch>
+            <a:fillRect/>
+          </a:stretch>
+        </p:blipFill>
+        <p:spPr>
+          <a:xfrm>
+            <a:off x="6413771" y="804889"/>
+            <a:ext cx="4645152" cy="4653974"/>
+          </a:xfrm>
+          <a:prstGeom prst="rect">
+            <a:avLst/>
+          </a:prstGeom>
+        </p:spPr>
+      </p:pic>
+    </p:spTree>
+    <p:extLst>
+      <p:ext uri="{BB962C8B-B14F-4D97-AF65-F5344CB8AC3E}">
+        <p14:creationId xmlns:p14="http://schemas.microsoft.com/office/powerpoint/2010/main" val="545628961"/>
       </p:ext>
     </p:extLst>
   </p:cSld>
@@ -7930,6 +8356,935 @@
     <p:extLst>
       <p:ext uri="{BB962C8B-B14F-4D97-AF65-F5344CB8AC3E}">
         <p14:creationId xmlns:p14="http://schemas.microsoft.com/office/powerpoint/2010/main" val="1840207313"/>
+      </p:ext>
+    </p:extLst>
+  </p:cSld>
+  <p:clrMapOvr>
+    <a:masterClrMapping/>
+  </p:clrMapOvr>
+</p:sld>
+</file>
+
+<file path=ppt/slides/slide20.xml><?xml version="1.0" encoding="utf-8"?>
+<p:sld xmlns:a="http://schemas.openxmlformats.org/drawingml/2006/main" xmlns:r="http://schemas.openxmlformats.org/officeDocument/2006/relationships" xmlns:p="http://schemas.openxmlformats.org/presentationml/2006/main">
+  <p:cSld>
+    <p:spTree>
+      <p:nvGrpSpPr>
+        <p:cNvPr id="1" name=""/>
+        <p:cNvGrpSpPr/>
+        <p:nvPr/>
+      </p:nvGrpSpPr>
+      <p:grpSpPr>
+        <a:xfrm>
+          <a:off x="0" y="0"/>
+          <a:ext cx="0" cy="0"/>
+          <a:chOff x="0" y="0"/>
+          <a:chExt cx="0" cy="0"/>
+        </a:xfrm>
+      </p:grpSpPr>
+      <p:sp>
+        <p:nvSpPr>
+          <p:cNvPr id="7" name="제목 6">
+            <a:extLst>
+              <a:ext uri="{FF2B5EF4-FFF2-40B4-BE49-F238E27FC236}">
+                <a16:creationId xmlns:a16="http://schemas.microsoft.com/office/drawing/2014/main" id="{DC20BA9A-2276-49D8-B3F5-D650BEC2AD8D}"/>
+              </a:ext>
+            </a:extLst>
+          </p:cNvPr>
+          <p:cNvSpPr>
+            <a:spLocks noGrp="1"/>
+          </p:cNvSpPr>
+          <p:nvPr>
+            <p:ph type="title"/>
+          </p:nvPr>
+        </p:nvSpPr>
+        <p:spPr>
+          <a:xfrm>
+            <a:off x="1449218" y="804889"/>
+            <a:ext cx="4643266" cy="1059305"/>
+          </a:xfrm>
+        </p:spPr>
+        <p:txBody>
+          <a:bodyPr/>
+          <a:lstStyle/>
+          <a:p>
+            <a:r>
+              <a:rPr lang="en-US" altLang="ko-KR" cap="none" dirty="0"/>
+              <a:t>headerAndFooter.html</a:t>
+            </a:r>
+            <a:endParaRPr lang="ko-KR" altLang="en-US" cap="none" dirty="0"/>
+          </a:p>
+        </p:txBody>
+      </p:sp>
+      <p:sp>
+        <p:nvSpPr>
+          <p:cNvPr id="8" name="내용 개체 틀 7">
+            <a:extLst>
+              <a:ext uri="{FF2B5EF4-FFF2-40B4-BE49-F238E27FC236}">
+                <a16:creationId xmlns:a16="http://schemas.microsoft.com/office/drawing/2014/main" id="{52DD1BFA-455F-4EE5-9363-0CFADAB37EE3}"/>
+              </a:ext>
+            </a:extLst>
+          </p:cNvPr>
+          <p:cNvSpPr>
+            <a:spLocks noGrp="1"/>
+          </p:cNvSpPr>
+          <p:nvPr>
+            <p:ph sz="half" idx="1"/>
+          </p:nvPr>
+        </p:nvSpPr>
+        <p:spPr/>
+        <p:txBody>
+          <a:bodyPr/>
+          <a:lstStyle/>
+          <a:p>
+            <a:r>
+              <a:rPr lang="en-US" altLang="ko-KR" dirty="0"/>
+              <a:t>header, nav,</a:t>
+            </a:r>
+            <a:r>
+              <a:rPr lang="ko-KR" altLang="en-US" dirty="0"/>
+              <a:t> </a:t>
+            </a:r>
+            <a:r>
+              <a:rPr lang="en-US" altLang="ko-KR" dirty="0"/>
+              <a:t>footer</a:t>
+            </a:r>
+            <a:r>
+              <a:rPr lang="ko-KR" altLang="en-US" dirty="0"/>
+              <a:t> 부분을 그리는 </a:t>
+            </a:r>
+            <a:r>
+              <a:rPr lang="en-US" altLang="ko-KR" dirty="0"/>
+              <a:t>html</a:t>
+            </a:r>
+          </a:p>
+          <a:p>
+            <a:r>
+              <a:rPr lang="ko-KR" altLang="en-US" dirty="0"/>
+              <a:t>각 태그마다 </a:t>
+            </a:r>
+            <a:r>
+              <a:rPr lang="en-US" altLang="ko-KR" dirty="0" err="1"/>
+              <a:t>th:fragment</a:t>
+            </a:r>
+            <a:r>
+              <a:rPr lang="en-US" altLang="ko-KR" dirty="0"/>
+              <a:t> </a:t>
+            </a:r>
+            <a:r>
+              <a:rPr lang="ko-KR" altLang="en-US" dirty="0"/>
+              <a:t>를 설정하여 </a:t>
+            </a:r>
+            <a:r>
+              <a:rPr lang="en-US" altLang="ko-KR" dirty="0"/>
+              <a:t>layout.html </a:t>
+            </a:r>
+            <a:r>
+              <a:rPr lang="ko-KR" altLang="en-US" dirty="0"/>
+              <a:t>에서 한꺼번에 관리하도록 함</a:t>
+            </a:r>
+          </a:p>
+        </p:txBody>
+      </p:sp>
+      <p:sp>
+        <p:nvSpPr>
+          <p:cNvPr id="17" name="내용 개체 틀 16">
+            <a:extLst>
+              <a:ext uri="{FF2B5EF4-FFF2-40B4-BE49-F238E27FC236}">
+                <a16:creationId xmlns:a16="http://schemas.microsoft.com/office/drawing/2014/main" id="{37DEA362-C915-4858-99D9-D6A2BB28D9B4}"/>
+              </a:ext>
+            </a:extLst>
+          </p:cNvPr>
+          <p:cNvSpPr>
+            <a:spLocks noGrp="1"/>
+          </p:cNvSpPr>
+          <p:nvPr>
+            <p:ph sz="half" idx="2"/>
+          </p:nvPr>
+        </p:nvSpPr>
+        <p:spPr>
+          <a:xfrm>
+            <a:off x="6413771" y="804889"/>
+            <a:ext cx="4645152" cy="4653974"/>
+          </a:xfrm>
+        </p:spPr>
+        <p:txBody>
+          <a:bodyPr/>
+          <a:lstStyle/>
+          <a:p>
+            <a:endParaRPr lang="ko-KR" altLang="en-US" dirty="0"/>
+          </a:p>
+        </p:txBody>
+      </p:sp>
+      <p:pic>
+        <p:nvPicPr>
+          <p:cNvPr id="3" name="그림 2">
+            <a:extLst>
+              <a:ext uri="{FF2B5EF4-FFF2-40B4-BE49-F238E27FC236}">
+                <a16:creationId xmlns:a16="http://schemas.microsoft.com/office/drawing/2014/main" id="{1B3A8553-CE9F-4A41-B341-2F1941AEA9A1}"/>
+              </a:ext>
+            </a:extLst>
+          </p:cNvPr>
+          <p:cNvPicPr>
+            <a:picLocks noChangeAspect="1"/>
+          </p:cNvPicPr>
+          <p:nvPr/>
+        </p:nvPicPr>
+        <p:blipFill>
+          <a:blip r:embed="rId2"/>
+          <a:stretch>
+            <a:fillRect/>
+          </a:stretch>
+        </p:blipFill>
+        <p:spPr>
+          <a:xfrm>
+            <a:off x="6410549" y="804889"/>
+            <a:ext cx="4645152" cy="4653974"/>
+          </a:xfrm>
+          <a:prstGeom prst="rect">
+            <a:avLst/>
+          </a:prstGeom>
+        </p:spPr>
+      </p:pic>
+    </p:spTree>
+    <p:extLst>
+      <p:ext uri="{BB962C8B-B14F-4D97-AF65-F5344CB8AC3E}">
+        <p14:creationId xmlns:p14="http://schemas.microsoft.com/office/powerpoint/2010/main" val="2600352321"/>
+      </p:ext>
+    </p:extLst>
+  </p:cSld>
+  <p:clrMapOvr>
+    <a:masterClrMapping/>
+  </p:clrMapOvr>
+</p:sld>
+</file>
+
+<file path=ppt/slides/slide21.xml><?xml version="1.0" encoding="utf-8"?>
+<p:sld xmlns:a="http://schemas.openxmlformats.org/drawingml/2006/main" xmlns:r="http://schemas.openxmlformats.org/officeDocument/2006/relationships" xmlns:p="http://schemas.openxmlformats.org/presentationml/2006/main">
+  <p:cSld>
+    <p:spTree>
+      <p:nvGrpSpPr>
+        <p:cNvPr id="1" name=""/>
+        <p:cNvGrpSpPr/>
+        <p:nvPr/>
+      </p:nvGrpSpPr>
+      <p:grpSpPr>
+        <a:xfrm>
+          <a:off x="0" y="0"/>
+          <a:ext cx="0" cy="0"/>
+          <a:chOff x="0" y="0"/>
+          <a:chExt cx="0" cy="0"/>
+        </a:xfrm>
+      </p:grpSpPr>
+      <p:sp>
+        <p:nvSpPr>
+          <p:cNvPr id="7" name="제목 6">
+            <a:extLst>
+              <a:ext uri="{FF2B5EF4-FFF2-40B4-BE49-F238E27FC236}">
+                <a16:creationId xmlns:a16="http://schemas.microsoft.com/office/drawing/2014/main" id="{DC20BA9A-2276-49D8-B3F5-D650BEC2AD8D}"/>
+              </a:ext>
+            </a:extLst>
+          </p:cNvPr>
+          <p:cNvSpPr>
+            <a:spLocks noGrp="1"/>
+          </p:cNvSpPr>
+          <p:nvPr>
+            <p:ph type="title"/>
+          </p:nvPr>
+        </p:nvSpPr>
+        <p:spPr>
+          <a:xfrm>
+            <a:off x="1449218" y="804889"/>
+            <a:ext cx="4643266" cy="1059305"/>
+          </a:xfrm>
+        </p:spPr>
+        <p:txBody>
+          <a:bodyPr/>
+          <a:lstStyle/>
+          <a:p>
+            <a:r>
+              <a:rPr lang="en-US" altLang="ko-KR" cap="none" dirty="0"/>
+              <a:t>login.html</a:t>
+            </a:r>
+            <a:endParaRPr lang="ko-KR" altLang="en-US" cap="none" dirty="0"/>
+          </a:p>
+        </p:txBody>
+      </p:sp>
+      <p:sp>
+        <p:nvSpPr>
+          <p:cNvPr id="8" name="내용 개체 틀 7">
+            <a:extLst>
+              <a:ext uri="{FF2B5EF4-FFF2-40B4-BE49-F238E27FC236}">
+                <a16:creationId xmlns:a16="http://schemas.microsoft.com/office/drawing/2014/main" id="{52DD1BFA-455F-4EE5-9363-0CFADAB37EE3}"/>
+              </a:ext>
+            </a:extLst>
+          </p:cNvPr>
+          <p:cNvSpPr>
+            <a:spLocks noGrp="1"/>
+          </p:cNvSpPr>
+          <p:nvPr>
+            <p:ph sz="half" idx="1"/>
+          </p:nvPr>
+        </p:nvSpPr>
+        <p:spPr/>
+        <p:txBody>
+          <a:bodyPr/>
+          <a:lstStyle/>
+          <a:p>
+            <a:r>
+              <a:rPr lang="en-US" altLang="ko-KR" dirty="0"/>
+              <a:t>Login </a:t>
+            </a:r>
+            <a:r>
+              <a:rPr lang="ko-KR" altLang="en-US" dirty="0"/>
+              <a:t>하는 부분의 화면 구성</a:t>
+            </a:r>
+            <a:endParaRPr lang="en-US" altLang="ko-KR" dirty="0"/>
+          </a:p>
+          <a:p>
+            <a:r>
+              <a:rPr lang="en-US" altLang="ko-KR" dirty="0"/>
+              <a:t>Form </a:t>
+            </a:r>
+            <a:r>
+              <a:rPr lang="ko-KR" altLang="en-US" dirty="0"/>
+              <a:t>태그에 </a:t>
+            </a:r>
+            <a:r>
+              <a:rPr lang="en-US" altLang="ko-KR" dirty="0"/>
+              <a:t>POST</a:t>
+            </a:r>
+            <a:r>
+              <a:rPr lang="ko-KR" altLang="en-US" dirty="0"/>
+              <a:t>를 지정했고</a:t>
+            </a:r>
+            <a:r>
+              <a:rPr lang="en-US" altLang="ko-KR" dirty="0"/>
+              <a:t>, </a:t>
+            </a:r>
+            <a:r>
+              <a:rPr lang="en-US" altLang="ko-KR" dirty="0" err="1"/>
+              <a:t>th:action</a:t>
+            </a:r>
+            <a:r>
+              <a:rPr lang="en-US" altLang="ko-KR" dirty="0"/>
+              <a:t>=“@{/login}” </a:t>
+            </a:r>
+            <a:r>
+              <a:rPr lang="ko-KR" altLang="en-US" dirty="0"/>
+              <a:t>을 사용해서 </a:t>
+            </a:r>
+            <a:r>
+              <a:rPr lang="en-US" altLang="ko-KR" dirty="0"/>
+              <a:t>/login </a:t>
+            </a:r>
+            <a:r>
+              <a:rPr lang="ko-KR" altLang="en-US" dirty="0"/>
+              <a:t>이라는 주소로 이동하면 이 </a:t>
+            </a:r>
+            <a:r>
+              <a:rPr lang="en-US" altLang="ko-KR" dirty="0"/>
+              <a:t>html</a:t>
+            </a:r>
+            <a:r>
+              <a:rPr lang="ko-KR" altLang="en-US" dirty="0"/>
+              <a:t>이 표시되도록 함</a:t>
+            </a:r>
+          </a:p>
+        </p:txBody>
+      </p:sp>
+      <p:sp>
+        <p:nvSpPr>
+          <p:cNvPr id="17" name="내용 개체 틀 16">
+            <a:extLst>
+              <a:ext uri="{FF2B5EF4-FFF2-40B4-BE49-F238E27FC236}">
+                <a16:creationId xmlns:a16="http://schemas.microsoft.com/office/drawing/2014/main" id="{37DEA362-C915-4858-99D9-D6A2BB28D9B4}"/>
+              </a:ext>
+            </a:extLst>
+          </p:cNvPr>
+          <p:cNvSpPr>
+            <a:spLocks noGrp="1"/>
+          </p:cNvSpPr>
+          <p:nvPr>
+            <p:ph sz="half" idx="2"/>
+          </p:nvPr>
+        </p:nvSpPr>
+        <p:spPr>
+          <a:xfrm>
+            <a:off x="6413771" y="804889"/>
+            <a:ext cx="4645152" cy="4653974"/>
+          </a:xfrm>
+        </p:spPr>
+        <p:txBody>
+          <a:bodyPr/>
+          <a:lstStyle/>
+          <a:p>
+            <a:endParaRPr lang="ko-KR" altLang="en-US" dirty="0"/>
+          </a:p>
+        </p:txBody>
+      </p:sp>
+      <p:pic>
+        <p:nvPicPr>
+          <p:cNvPr id="3" name="그림 2">
+            <a:extLst>
+              <a:ext uri="{FF2B5EF4-FFF2-40B4-BE49-F238E27FC236}">
+                <a16:creationId xmlns:a16="http://schemas.microsoft.com/office/drawing/2014/main" id="{995B0A1E-4D73-42D5-8EEA-B5B959ADF445}"/>
+              </a:ext>
+            </a:extLst>
+          </p:cNvPr>
+          <p:cNvPicPr>
+            <a:picLocks noChangeAspect="1"/>
+          </p:cNvPicPr>
+          <p:nvPr/>
+        </p:nvPicPr>
+        <p:blipFill>
+          <a:blip r:embed="rId2"/>
+          <a:stretch>
+            <a:fillRect/>
+          </a:stretch>
+        </p:blipFill>
+        <p:spPr>
+          <a:xfrm>
+            <a:off x="6413770" y="804888"/>
+            <a:ext cx="4645153" cy="4634989"/>
+          </a:xfrm>
+          <a:prstGeom prst="rect">
+            <a:avLst/>
+          </a:prstGeom>
+        </p:spPr>
+      </p:pic>
+    </p:spTree>
+    <p:extLst>
+      <p:ext uri="{BB962C8B-B14F-4D97-AF65-F5344CB8AC3E}">
+        <p14:creationId xmlns:p14="http://schemas.microsoft.com/office/powerpoint/2010/main" val="3596935366"/>
+      </p:ext>
+    </p:extLst>
+  </p:cSld>
+  <p:clrMapOvr>
+    <a:masterClrMapping/>
+  </p:clrMapOvr>
+</p:sld>
+</file>
+
+<file path=ppt/slides/slide22.xml><?xml version="1.0" encoding="utf-8"?>
+<p:sld xmlns:a="http://schemas.openxmlformats.org/drawingml/2006/main" xmlns:r="http://schemas.openxmlformats.org/officeDocument/2006/relationships" xmlns:p="http://schemas.openxmlformats.org/presentationml/2006/main">
+  <p:cSld>
+    <p:spTree>
+      <p:nvGrpSpPr>
+        <p:cNvPr id="1" name=""/>
+        <p:cNvGrpSpPr/>
+        <p:nvPr/>
+      </p:nvGrpSpPr>
+      <p:grpSpPr>
+        <a:xfrm>
+          <a:off x="0" y="0"/>
+          <a:ext cx="0" cy="0"/>
+          <a:chOff x="0" y="0"/>
+          <a:chExt cx="0" cy="0"/>
+        </a:xfrm>
+      </p:grpSpPr>
+      <p:sp>
+        <p:nvSpPr>
+          <p:cNvPr id="7" name="제목 6">
+            <a:extLst>
+              <a:ext uri="{FF2B5EF4-FFF2-40B4-BE49-F238E27FC236}">
+                <a16:creationId xmlns:a16="http://schemas.microsoft.com/office/drawing/2014/main" id="{DC20BA9A-2276-49D8-B3F5-D650BEC2AD8D}"/>
+              </a:ext>
+            </a:extLst>
+          </p:cNvPr>
+          <p:cNvSpPr>
+            <a:spLocks noGrp="1"/>
+          </p:cNvSpPr>
+          <p:nvPr>
+            <p:ph type="title"/>
+          </p:nvPr>
+        </p:nvSpPr>
+        <p:spPr>
+          <a:xfrm>
+            <a:off x="1449218" y="804889"/>
+            <a:ext cx="4643266" cy="1059305"/>
+          </a:xfrm>
+        </p:spPr>
+        <p:txBody>
+          <a:bodyPr/>
+          <a:lstStyle/>
+          <a:p>
+            <a:r>
+              <a:rPr lang="en-US" altLang="ko-KR" cap="none" dirty="0"/>
+              <a:t>list.html</a:t>
+            </a:r>
+            <a:endParaRPr lang="ko-KR" altLang="en-US" cap="none" dirty="0"/>
+          </a:p>
+        </p:txBody>
+      </p:sp>
+      <p:sp>
+        <p:nvSpPr>
+          <p:cNvPr id="8" name="내용 개체 틀 7">
+            <a:extLst>
+              <a:ext uri="{FF2B5EF4-FFF2-40B4-BE49-F238E27FC236}">
+                <a16:creationId xmlns:a16="http://schemas.microsoft.com/office/drawing/2014/main" id="{52DD1BFA-455F-4EE5-9363-0CFADAB37EE3}"/>
+              </a:ext>
+            </a:extLst>
+          </p:cNvPr>
+          <p:cNvSpPr>
+            <a:spLocks noGrp="1"/>
+          </p:cNvSpPr>
+          <p:nvPr>
+            <p:ph sz="half" idx="1"/>
+          </p:nvPr>
+        </p:nvSpPr>
+        <p:spPr/>
+        <p:txBody>
+          <a:bodyPr/>
+          <a:lstStyle/>
+          <a:p>
+            <a:r>
+              <a:rPr lang="en-US" altLang="ko-KR" dirty="0"/>
+              <a:t>write.html </a:t>
+            </a:r>
+            <a:r>
+              <a:rPr lang="ko-KR" altLang="en-US" dirty="0"/>
+              <a:t>에서 입력하여 서버에 저장된 내용을 불러오는 </a:t>
+            </a:r>
+            <a:r>
+              <a:rPr lang="en-US" altLang="ko-KR" dirty="0"/>
+              <a:t>list </a:t>
+            </a:r>
+            <a:r>
+              <a:rPr lang="ko-KR" altLang="en-US" dirty="0"/>
+              <a:t>페이지</a:t>
+            </a:r>
+            <a:endParaRPr lang="en-US" altLang="ko-KR" dirty="0"/>
+          </a:p>
+          <a:p>
+            <a:r>
+              <a:rPr lang="en-US" altLang="ko-KR" dirty="0"/>
+              <a:t>Controller</a:t>
+            </a:r>
+            <a:r>
+              <a:rPr lang="ko-KR" altLang="en-US" dirty="0"/>
+              <a:t>에서 </a:t>
+            </a:r>
+            <a:r>
+              <a:rPr lang="en-US" altLang="ko-KR" dirty="0"/>
+              <a:t>model</a:t>
+            </a:r>
+            <a:r>
+              <a:rPr lang="ko-KR" altLang="en-US" dirty="0"/>
+              <a:t>을 사용하여 </a:t>
+            </a:r>
+            <a:r>
+              <a:rPr lang="en-US" altLang="ko-KR" dirty="0"/>
+              <a:t>view</a:t>
+            </a:r>
+            <a:r>
+              <a:rPr lang="ko-KR" altLang="en-US" dirty="0"/>
+              <a:t>에 데이터를 넘겨줘서 표시</a:t>
+            </a:r>
+          </a:p>
+        </p:txBody>
+      </p:sp>
+      <p:sp>
+        <p:nvSpPr>
+          <p:cNvPr id="17" name="내용 개체 틀 16">
+            <a:extLst>
+              <a:ext uri="{FF2B5EF4-FFF2-40B4-BE49-F238E27FC236}">
+                <a16:creationId xmlns:a16="http://schemas.microsoft.com/office/drawing/2014/main" id="{37DEA362-C915-4858-99D9-D6A2BB28D9B4}"/>
+              </a:ext>
+            </a:extLst>
+          </p:cNvPr>
+          <p:cNvSpPr>
+            <a:spLocks noGrp="1"/>
+          </p:cNvSpPr>
+          <p:nvPr>
+            <p:ph sz="half" idx="2"/>
+          </p:nvPr>
+        </p:nvSpPr>
+        <p:spPr>
+          <a:xfrm>
+            <a:off x="6413771" y="804889"/>
+            <a:ext cx="4645152" cy="4653974"/>
+          </a:xfrm>
+        </p:spPr>
+        <p:txBody>
+          <a:bodyPr/>
+          <a:lstStyle/>
+          <a:p>
+            <a:endParaRPr lang="ko-KR" altLang="en-US" dirty="0"/>
+          </a:p>
+        </p:txBody>
+      </p:sp>
+      <p:pic>
+        <p:nvPicPr>
+          <p:cNvPr id="4" name="그림 3">
+            <a:extLst>
+              <a:ext uri="{FF2B5EF4-FFF2-40B4-BE49-F238E27FC236}">
+                <a16:creationId xmlns:a16="http://schemas.microsoft.com/office/drawing/2014/main" id="{61DDBD73-75E2-4A3B-BC7E-AAD15986F1CC}"/>
+              </a:ext>
+            </a:extLst>
+          </p:cNvPr>
+          <p:cNvPicPr>
+            <a:picLocks noChangeAspect="1"/>
+          </p:cNvPicPr>
+          <p:nvPr/>
+        </p:nvPicPr>
+        <p:blipFill>
+          <a:blip r:embed="rId2"/>
+          <a:stretch>
+            <a:fillRect/>
+          </a:stretch>
+        </p:blipFill>
+        <p:spPr>
+          <a:xfrm>
+            <a:off x="6413770" y="804888"/>
+            <a:ext cx="4645153" cy="4977593"/>
+          </a:xfrm>
+          <a:prstGeom prst="rect">
+            <a:avLst/>
+          </a:prstGeom>
+        </p:spPr>
+      </p:pic>
+    </p:spTree>
+    <p:extLst>
+      <p:ext uri="{BB962C8B-B14F-4D97-AF65-F5344CB8AC3E}">
+        <p14:creationId xmlns:p14="http://schemas.microsoft.com/office/powerpoint/2010/main" val="3929477621"/>
+      </p:ext>
+    </p:extLst>
+  </p:cSld>
+  <p:clrMapOvr>
+    <a:masterClrMapping/>
+  </p:clrMapOvr>
+</p:sld>
+</file>
+
+<file path=ppt/slides/slide23.xml><?xml version="1.0" encoding="utf-8"?>
+<p:sld xmlns:a="http://schemas.openxmlformats.org/drawingml/2006/main" xmlns:r="http://schemas.openxmlformats.org/officeDocument/2006/relationships" xmlns:p="http://schemas.openxmlformats.org/presentationml/2006/main">
+  <p:cSld>
+    <p:spTree>
+      <p:nvGrpSpPr>
+        <p:cNvPr id="1" name=""/>
+        <p:cNvGrpSpPr/>
+        <p:nvPr/>
+      </p:nvGrpSpPr>
+      <p:grpSpPr>
+        <a:xfrm>
+          <a:off x="0" y="0"/>
+          <a:ext cx="0" cy="0"/>
+          <a:chOff x="0" y="0"/>
+          <a:chExt cx="0" cy="0"/>
+        </a:xfrm>
+      </p:grpSpPr>
+      <p:sp>
+        <p:nvSpPr>
+          <p:cNvPr id="7" name="제목 6">
+            <a:extLst>
+              <a:ext uri="{FF2B5EF4-FFF2-40B4-BE49-F238E27FC236}">
+                <a16:creationId xmlns:a16="http://schemas.microsoft.com/office/drawing/2014/main" id="{DC20BA9A-2276-49D8-B3F5-D650BEC2AD8D}"/>
+              </a:ext>
+            </a:extLst>
+          </p:cNvPr>
+          <p:cNvSpPr>
+            <a:spLocks noGrp="1"/>
+          </p:cNvSpPr>
+          <p:nvPr>
+            <p:ph type="title"/>
+          </p:nvPr>
+        </p:nvSpPr>
+        <p:spPr>
+          <a:xfrm>
+            <a:off x="1449218" y="804889"/>
+            <a:ext cx="4643266" cy="1059305"/>
+          </a:xfrm>
+        </p:spPr>
+        <p:txBody>
+          <a:bodyPr/>
+          <a:lstStyle/>
+          <a:p>
+            <a:r>
+              <a:rPr lang="en-US" altLang="ko-KR" cap="none" dirty="0"/>
+              <a:t>write.html</a:t>
+            </a:r>
+            <a:endParaRPr lang="ko-KR" altLang="en-US" cap="none" dirty="0"/>
+          </a:p>
+        </p:txBody>
+      </p:sp>
+      <p:sp>
+        <p:nvSpPr>
+          <p:cNvPr id="8" name="내용 개체 틀 7">
+            <a:extLst>
+              <a:ext uri="{FF2B5EF4-FFF2-40B4-BE49-F238E27FC236}">
+                <a16:creationId xmlns:a16="http://schemas.microsoft.com/office/drawing/2014/main" id="{52DD1BFA-455F-4EE5-9363-0CFADAB37EE3}"/>
+              </a:ext>
+            </a:extLst>
+          </p:cNvPr>
+          <p:cNvSpPr>
+            <a:spLocks noGrp="1"/>
+          </p:cNvSpPr>
+          <p:nvPr>
+            <p:ph sz="half" idx="1"/>
+          </p:nvPr>
+        </p:nvSpPr>
+        <p:spPr/>
+        <p:txBody>
+          <a:bodyPr/>
+          <a:lstStyle/>
+          <a:p>
+            <a:r>
+              <a:rPr lang="en-US" altLang="ko-KR" dirty="0"/>
+              <a:t>ISBN,</a:t>
+            </a:r>
+            <a:r>
+              <a:rPr lang="ko-KR" altLang="en-US" dirty="0"/>
+              <a:t> 도서명</a:t>
+            </a:r>
+            <a:r>
+              <a:rPr lang="en-US" altLang="ko-KR" dirty="0"/>
+              <a:t>, </a:t>
+            </a:r>
+            <a:r>
+              <a:rPr lang="ko-KR" altLang="en-US" dirty="0" err="1"/>
+              <a:t>읽은날짜</a:t>
+            </a:r>
+            <a:r>
+              <a:rPr lang="en-US" altLang="ko-KR" dirty="0"/>
+              <a:t>, </a:t>
+            </a:r>
+            <a:r>
+              <a:rPr lang="ko-KR" altLang="en-US" dirty="0"/>
+              <a:t>읽기시작</a:t>
+            </a:r>
+            <a:r>
+              <a:rPr lang="en-US" altLang="ko-KR" dirty="0"/>
+              <a:t>, </a:t>
+            </a:r>
+            <a:r>
+              <a:rPr lang="ko-KR" altLang="en-US" dirty="0" err="1"/>
+              <a:t>읽기마침</a:t>
+            </a:r>
+            <a:r>
+              <a:rPr lang="en-US" altLang="ko-KR" dirty="0"/>
+              <a:t>, </a:t>
+            </a:r>
+            <a:r>
+              <a:rPr lang="ko-KR" altLang="en-US" dirty="0" err="1"/>
+              <a:t>글제목</a:t>
+            </a:r>
+            <a:r>
+              <a:rPr lang="en-US" altLang="ko-KR" dirty="0"/>
+              <a:t>, </a:t>
+            </a:r>
+            <a:r>
+              <a:rPr lang="ko-KR" altLang="en-US" dirty="0"/>
+              <a:t>내용 등을 입력하는 페이지</a:t>
+            </a:r>
+            <a:endParaRPr lang="en-US" altLang="ko-KR" dirty="0"/>
+          </a:p>
+          <a:p>
+            <a:r>
+              <a:rPr lang="en-US" altLang="ko-KR" dirty="0"/>
+              <a:t>button </a:t>
+            </a:r>
+            <a:r>
+              <a:rPr lang="ko-KR" altLang="en-US" dirty="0"/>
+              <a:t>태그에 </a:t>
+            </a:r>
+            <a:r>
+              <a:rPr lang="en-US" altLang="ko-KR" dirty="0"/>
+              <a:t>type</a:t>
+            </a:r>
+            <a:r>
+              <a:rPr lang="ko-KR" altLang="en-US" dirty="0"/>
+              <a:t>과 </a:t>
+            </a:r>
+            <a:r>
+              <a:rPr lang="en-US" altLang="ko-KR" dirty="0"/>
+              <a:t>class </a:t>
+            </a:r>
+            <a:r>
+              <a:rPr lang="ko-KR" altLang="en-US" dirty="0"/>
+              <a:t>를 각각 다르게 지정하여 처리</a:t>
+            </a:r>
+            <a:endParaRPr lang="en-US" altLang="ko-KR" dirty="0"/>
+          </a:p>
+          <a:p>
+            <a:r>
+              <a:rPr lang="en-US" altLang="ko-KR" dirty="0"/>
+              <a:t>list</a:t>
+            </a:r>
+            <a:r>
+              <a:rPr lang="ko-KR" altLang="en-US" dirty="0"/>
+              <a:t> 화면으로 이동하는 버튼만 따로 </a:t>
+            </a:r>
+            <a:r>
+              <a:rPr lang="en-US" altLang="ko-KR" dirty="0"/>
+              <a:t>script </a:t>
+            </a:r>
+            <a:r>
+              <a:rPr lang="ko-KR" altLang="en-US" dirty="0"/>
+              <a:t>사용</a:t>
+            </a:r>
+          </a:p>
+        </p:txBody>
+      </p:sp>
+      <p:sp>
+        <p:nvSpPr>
+          <p:cNvPr id="17" name="내용 개체 틀 16">
+            <a:extLst>
+              <a:ext uri="{FF2B5EF4-FFF2-40B4-BE49-F238E27FC236}">
+                <a16:creationId xmlns:a16="http://schemas.microsoft.com/office/drawing/2014/main" id="{37DEA362-C915-4858-99D9-D6A2BB28D9B4}"/>
+              </a:ext>
+            </a:extLst>
+          </p:cNvPr>
+          <p:cNvSpPr>
+            <a:spLocks noGrp="1"/>
+          </p:cNvSpPr>
+          <p:nvPr>
+            <p:ph sz="half" idx="2"/>
+          </p:nvPr>
+        </p:nvSpPr>
+        <p:spPr>
+          <a:xfrm>
+            <a:off x="6413771" y="804889"/>
+            <a:ext cx="4645152" cy="4653974"/>
+          </a:xfrm>
+        </p:spPr>
+        <p:txBody>
+          <a:bodyPr/>
+          <a:lstStyle/>
+          <a:p>
+            <a:endParaRPr lang="ko-KR" altLang="en-US" dirty="0"/>
+          </a:p>
+        </p:txBody>
+      </p:sp>
+      <p:pic>
+        <p:nvPicPr>
+          <p:cNvPr id="4" name="그림 3">
+            <a:extLst>
+              <a:ext uri="{FF2B5EF4-FFF2-40B4-BE49-F238E27FC236}">
+                <a16:creationId xmlns:a16="http://schemas.microsoft.com/office/drawing/2014/main" id="{BADCA5AB-5D95-4B83-B24E-36C275930A37}"/>
+              </a:ext>
+            </a:extLst>
+          </p:cNvPr>
+          <p:cNvPicPr>
+            <a:picLocks noChangeAspect="1"/>
+          </p:cNvPicPr>
+          <p:nvPr/>
+        </p:nvPicPr>
+        <p:blipFill>
+          <a:blip r:embed="rId2"/>
+          <a:stretch>
+            <a:fillRect/>
+          </a:stretch>
+        </p:blipFill>
+        <p:spPr>
+          <a:xfrm>
+            <a:off x="6413771" y="804889"/>
+            <a:ext cx="4645152" cy="4653974"/>
+          </a:xfrm>
+          <a:prstGeom prst="rect">
+            <a:avLst/>
+          </a:prstGeom>
+        </p:spPr>
+      </p:pic>
+    </p:spTree>
+    <p:extLst>
+      <p:ext uri="{BB962C8B-B14F-4D97-AF65-F5344CB8AC3E}">
+        <p14:creationId xmlns:p14="http://schemas.microsoft.com/office/powerpoint/2010/main" val="3336226130"/>
+      </p:ext>
+    </p:extLst>
+  </p:cSld>
+  <p:clrMapOvr>
+    <a:masterClrMapping/>
+  </p:clrMapOvr>
+</p:sld>
+</file>
+
+<file path=ppt/slides/slide24.xml><?xml version="1.0" encoding="utf-8"?>
+<p:sld xmlns:a="http://schemas.openxmlformats.org/drawingml/2006/main" xmlns:r="http://schemas.openxmlformats.org/officeDocument/2006/relationships" xmlns:p="http://schemas.openxmlformats.org/presentationml/2006/main">
+  <p:cSld>
+    <p:spTree>
+      <p:nvGrpSpPr>
+        <p:cNvPr id="1" name=""/>
+        <p:cNvGrpSpPr/>
+        <p:nvPr/>
+      </p:nvGrpSpPr>
+      <p:grpSpPr>
+        <a:xfrm>
+          <a:off x="0" y="0"/>
+          <a:ext cx="0" cy="0"/>
+          <a:chOff x="0" y="0"/>
+          <a:chExt cx="0" cy="0"/>
+        </a:xfrm>
+      </p:grpSpPr>
+      <p:sp>
+        <p:nvSpPr>
+          <p:cNvPr id="12" name="TextBox 11">
+            <a:extLst>
+              <a:ext uri="{FF2B5EF4-FFF2-40B4-BE49-F238E27FC236}">
+                <a16:creationId xmlns:a16="http://schemas.microsoft.com/office/drawing/2014/main" id="{2AB7043F-B8B9-4DA2-B3BC-D5DB9D704483}"/>
+              </a:ext>
+            </a:extLst>
+          </p:cNvPr>
+          <p:cNvSpPr txBox="1"/>
+          <p:nvPr/>
+        </p:nvSpPr>
+        <p:spPr>
+          <a:xfrm>
+            <a:off x="1233181" y="1082180"/>
+            <a:ext cx="9446004" cy="2308324"/>
+          </a:xfrm>
+          <a:prstGeom prst="rect">
+            <a:avLst/>
+          </a:prstGeom>
+          <a:noFill/>
+        </p:spPr>
+        <p:txBody>
+          <a:bodyPr wrap="square" rtlCol="0">
+            <a:spAutoFit/>
+          </a:bodyPr>
+          <a:lstStyle/>
+          <a:p>
+            <a:pPr algn="ctr"/>
+            <a:r>
+              <a:rPr lang="ko-KR" altLang="en-US" sz="4800" b="1" dirty="0">
+                <a:latin typeface="+mn-ea"/>
+              </a:rPr>
+              <a:t>감사합니다</a:t>
+            </a:r>
+            <a:endParaRPr lang="en-US" altLang="ko-KR" sz="4800" b="1" dirty="0">
+              <a:latin typeface="+mn-ea"/>
+            </a:endParaRPr>
+          </a:p>
+          <a:p>
+            <a:pPr algn="ctr"/>
+            <a:endParaRPr lang="en-US" altLang="ko-KR" sz="4800" b="1" dirty="0">
+              <a:latin typeface="+mn-ea"/>
+            </a:endParaRPr>
+          </a:p>
+          <a:p>
+            <a:pPr algn="ctr"/>
+            <a:r>
+              <a:rPr lang="ko-KR" altLang="en-US" sz="4800" b="1" dirty="0">
+                <a:latin typeface="+mn-ea"/>
+              </a:rPr>
+              <a:t>감기조심하세요</a:t>
+            </a:r>
+            <a:r>
+              <a:rPr lang="en-US" altLang="ko-KR" sz="4800" b="1" dirty="0">
+                <a:latin typeface="+mn-ea"/>
+              </a:rPr>
+              <a:t>~</a:t>
+            </a:r>
+            <a:endParaRPr lang="ko-KR" altLang="en-US" sz="4800" b="1" dirty="0">
+              <a:latin typeface="+mn-ea"/>
+            </a:endParaRPr>
+          </a:p>
+        </p:txBody>
+      </p:sp>
+    </p:spTree>
+    <p:extLst>
+      <p:ext uri="{BB962C8B-B14F-4D97-AF65-F5344CB8AC3E}">
+        <p14:creationId xmlns:p14="http://schemas.microsoft.com/office/powerpoint/2010/main" val="1652644856"/>
       </p:ext>
     </p:extLst>
   </p:cSld>
